--- a/Gol Linhas Aéreas_Filipe_Aguiar_R.pptx
+++ b/Gol Linhas Aéreas_Filipe_Aguiar_R.pptx
@@ -140,6 +140,9 @@
         </p14:section>
       </p14:sectionLst>
     </p:ext>
+    <p:ext uri="{EFAFB233-063F-42B5-8137-9DF3F51BA10A}">
+      <p15:sldGuideLst xmlns:p15="http://schemas.microsoft.com/office/powerpoint/2012/main"/>
+    </p:ext>
   </p:extLst>
 </p:presentation>
 </file>
@@ -291,7 +294,7 @@
           <a:p>
             <a:fld id="{5A1E141E-E0EF-45A3-8ACB-C3BD9692285D}" type="datetimeFigureOut">
               <a:rPr lang="pt-BR" smtClean="0"/>
-              <a:t>06/01/2021</a:t>
+              <a:t>07/01/2021</a:t>
             </a:fld>
             <a:endParaRPr lang="pt-BR"/>
           </a:p>
@@ -489,7 +492,7 @@
           <a:p>
             <a:fld id="{5A1E141E-E0EF-45A3-8ACB-C3BD9692285D}" type="datetimeFigureOut">
               <a:rPr lang="pt-BR" smtClean="0"/>
-              <a:t>06/01/2021</a:t>
+              <a:t>07/01/2021</a:t>
             </a:fld>
             <a:endParaRPr lang="pt-BR"/>
           </a:p>
@@ -697,7 +700,7 @@
           <a:p>
             <a:fld id="{5A1E141E-E0EF-45A3-8ACB-C3BD9692285D}" type="datetimeFigureOut">
               <a:rPr lang="pt-BR" smtClean="0"/>
-              <a:t>06/01/2021</a:t>
+              <a:t>07/01/2021</a:t>
             </a:fld>
             <a:endParaRPr lang="pt-BR"/>
           </a:p>
@@ -895,7 +898,7 @@
           <a:p>
             <a:fld id="{5A1E141E-E0EF-45A3-8ACB-C3BD9692285D}" type="datetimeFigureOut">
               <a:rPr lang="pt-BR" smtClean="0"/>
-              <a:t>06/01/2021</a:t>
+              <a:t>07/01/2021</a:t>
             </a:fld>
             <a:endParaRPr lang="pt-BR"/>
           </a:p>
@@ -1170,7 +1173,7 @@
           <a:p>
             <a:fld id="{5A1E141E-E0EF-45A3-8ACB-C3BD9692285D}" type="datetimeFigureOut">
               <a:rPr lang="pt-BR" smtClean="0"/>
-              <a:t>06/01/2021</a:t>
+              <a:t>07/01/2021</a:t>
             </a:fld>
             <a:endParaRPr lang="pt-BR"/>
           </a:p>
@@ -1435,7 +1438,7 @@
           <a:p>
             <a:fld id="{5A1E141E-E0EF-45A3-8ACB-C3BD9692285D}" type="datetimeFigureOut">
               <a:rPr lang="pt-BR" smtClean="0"/>
-              <a:t>06/01/2021</a:t>
+              <a:t>07/01/2021</a:t>
             </a:fld>
             <a:endParaRPr lang="pt-BR"/>
           </a:p>
@@ -1847,7 +1850,7 @@
           <a:p>
             <a:fld id="{5A1E141E-E0EF-45A3-8ACB-C3BD9692285D}" type="datetimeFigureOut">
               <a:rPr lang="pt-BR" smtClean="0"/>
-              <a:t>06/01/2021</a:t>
+              <a:t>07/01/2021</a:t>
             </a:fld>
             <a:endParaRPr lang="pt-BR"/>
           </a:p>
@@ -1988,7 +1991,7 @@
           <a:p>
             <a:fld id="{5A1E141E-E0EF-45A3-8ACB-C3BD9692285D}" type="datetimeFigureOut">
               <a:rPr lang="pt-BR" smtClean="0"/>
-              <a:t>06/01/2021</a:t>
+              <a:t>07/01/2021</a:t>
             </a:fld>
             <a:endParaRPr lang="pt-BR"/>
           </a:p>
@@ -2101,7 +2104,7 @@
           <a:p>
             <a:fld id="{5A1E141E-E0EF-45A3-8ACB-C3BD9692285D}" type="datetimeFigureOut">
               <a:rPr lang="pt-BR" smtClean="0"/>
-              <a:t>06/01/2021</a:t>
+              <a:t>07/01/2021</a:t>
             </a:fld>
             <a:endParaRPr lang="pt-BR"/>
           </a:p>
@@ -2412,7 +2415,7 @@
           <a:p>
             <a:fld id="{5A1E141E-E0EF-45A3-8ACB-C3BD9692285D}" type="datetimeFigureOut">
               <a:rPr lang="pt-BR" smtClean="0"/>
-              <a:t>06/01/2021</a:t>
+              <a:t>07/01/2021</a:t>
             </a:fld>
             <a:endParaRPr lang="pt-BR"/>
           </a:p>
@@ -2700,7 +2703,7 @@
           <a:p>
             <a:fld id="{5A1E141E-E0EF-45A3-8ACB-C3BD9692285D}" type="datetimeFigureOut">
               <a:rPr lang="pt-BR" smtClean="0"/>
-              <a:t>06/01/2021</a:t>
+              <a:t>07/01/2021</a:t>
             </a:fld>
             <a:endParaRPr lang="pt-BR"/>
           </a:p>
@@ -2941,7 +2944,7 @@
           <a:p>
             <a:fld id="{5A1E141E-E0EF-45A3-8ACB-C3BD9692285D}" type="datetimeFigureOut">
               <a:rPr lang="pt-BR" smtClean="0"/>
-              <a:t>06/01/2021</a:t>
+              <a:t>07/01/2021</a:t>
             </a:fld>
             <a:endParaRPr lang="pt-BR"/>
           </a:p>
@@ -3902,7 +3905,7 @@
         </p:blipFill>
         <p:spPr>
           <a:xfrm>
-            <a:off x="5185708" y="2871858"/>
+            <a:off x="2685340" y="3507452"/>
             <a:ext cx="6097485" cy="3120428"/>
           </a:xfrm>
           <a:prstGeom prst="rect">
@@ -3910,6 +3913,50 @@
           </a:prstGeom>
         </p:spPr>
       </p:pic>
+      <p:sp>
+        <p:nvSpPr>
+          <p:cNvPr id="6" name="CaixaDeTexto 5">
+            <a:extLst>
+              <a:ext uri="{FF2B5EF4-FFF2-40B4-BE49-F238E27FC236}">
+                <a16:creationId xmlns:a16="http://schemas.microsoft.com/office/drawing/2014/main" id="{549982B6-CE8E-47D4-B5D3-B927074780B7}"/>
+              </a:ext>
+            </a:extLst>
+          </p:cNvPr>
+          <p:cNvSpPr txBox="1"/>
+          <p:nvPr/>
+        </p:nvSpPr>
+        <p:spPr>
+          <a:xfrm>
+            <a:off x="476283" y="2643525"/>
+            <a:ext cx="9250960" cy="646331"/>
+          </a:xfrm>
+          <a:prstGeom prst="rect">
+            <a:avLst/>
+          </a:prstGeom>
+          <a:noFill/>
+        </p:spPr>
+        <p:txBody>
+          <a:bodyPr wrap="square">
+            <a:spAutoFit/>
+          </a:bodyPr>
+          <a:lstStyle/>
+          <a:p>
+            <a:r>
+              <a:rPr lang="pt-BR" dirty="0"/>
+              <a:t>Link acesso notebook contendo todo passo a passo:</a:t>
+            </a:r>
+          </a:p>
+          <a:p>
+            <a:r>
+              <a:rPr lang="pt-BR" dirty="0">
+                <a:hlinkClick r:id="rId4"/>
+              </a:rPr>
+              <a:t>https://github.com/filipeaguiarrod/Case-Gol-Linhas-A-reas/blob/main/Case_01/EDA.ipynb</a:t>
+            </a:r>
+            <a:endParaRPr lang="pt-BR" dirty="0"/>
+          </a:p>
+        </p:txBody>
+      </p:sp>
     </p:spTree>
     <p:extLst>
       <p:ext uri="{BB962C8B-B14F-4D97-AF65-F5344CB8AC3E}">
@@ -3958,7 +4005,7 @@
         </p:nvSpPr>
         <p:spPr>
           <a:xfrm>
-            <a:off x="1524000" y="1650869"/>
+            <a:off x="1524000" y="644190"/>
             <a:ext cx="9144000" cy="2387600"/>
           </a:xfrm>
         </p:spPr>
@@ -3987,6 +4034,48 @@
                 </a:schemeClr>
               </a:solidFill>
             </a:endParaRPr>
+          </a:p>
+        </p:txBody>
+      </p:sp>
+      <p:sp>
+        <p:nvSpPr>
+          <p:cNvPr id="3" name="CaixaDeTexto 2">
+            <a:extLst>
+              <a:ext uri="{FF2B5EF4-FFF2-40B4-BE49-F238E27FC236}">
+                <a16:creationId xmlns:a16="http://schemas.microsoft.com/office/drawing/2014/main" id="{F5820287-2582-4DD4-B942-726C10D71B57}"/>
+              </a:ext>
+            </a:extLst>
+          </p:cNvPr>
+          <p:cNvSpPr txBox="1"/>
+          <p:nvPr/>
+        </p:nvSpPr>
+        <p:spPr>
+          <a:xfrm flipH="1">
+            <a:off x="1122270" y="3429000"/>
+            <a:ext cx="10462925" cy="369332"/>
+          </a:xfrm>
+          <a:prstGeom prst="rect">
+            <a:avLst/>
+          </a:prstGeom>
+          <a:noFill/>
+        </p:spPr>
+        <p:txBody>
+          <a:bodyPr wrap="square" rtlCol="0">
+            <a:spAutoFit/>
+          </a:bodyPr>
+          <a:lstStyle/>
+          <a:p>
+            <a:r>
+              <a:rPr lang="pt-BR" dirty="0"/>
+              <a:t>Todos arquivos do : </a:t>
+            </a:r>
+            <a:r>
+              <a:rPr lang="pt-BR" dirty="0">
+                <a:hlinkClick r:id="rId2"/>
+              </a:rPr>
+              <a:t>https://github.com/filipeaguiarrod/Case-Gol-Linhas-A-reas/tree/main/Case_02</a:t>
+            </a:r>
+            <a:endParaRPr lang="pt-BR" dirty="0"/>
           </a:p>
         </p:txBody>
       </p:sp>
@@ -4066,8 +4155,8 @@
         </p:nvSpPr>
         <p:spPr>
           <a:xfrm>
-            <a:off x="838200" y="3154261"/>
-            <a:ext cx="10515600" cy="3022702"/>
+            <a:off x="771088" y="2332139"/>
+            <a:ext cx="10515600" cy="3942826"/>
           </a:xfrm>
         </p:spPr>
         <p:txBody>
@@ -4115,12 +4204,54 @@
           </a:p>
         </p:txBody>
       </p:sp>
-      <p:sp>
-        <p:nvSpPr>
-          <p:cNvPr id="5" name="CaixaDeTexto 4">
-            <a:extLst>
-              <a:ext uri="{FF2B5EF4-FFF2-40B4-BE49-F238E27FC236}">
-                <a16:creationId xmlns:a16="http://schemas.microsoft.com/office/drawing/2014/main" id="{4C181142-096B-495D-A124-DD0386B911D3}"/>
+      <p:cxnSp>
+        <p:nvCxnSpPr>
+          <p:cNvPr id="6" name="Conector: Angulado 5">
+            <a:extLst>
+              <a:ext uri="{FF2B5EF4-FFF2-40B4-BE49-F238E27FC236}">
+                <a16:creationId xmlns:a16="http://schemas.microsoft.com/office/drawing/2014/main" id="{DC5A06BB-8614-4673-9BCD-FE01153FCDD5}"/>
+              </a:ext>
+            </a:extLst>
+          </p:cNvPr>
+          <p:cNvCxnSpPr/>
+          <p:nvPr/>
+        </p:nvCxnSpPr>
+        <p:spPr>
+          <a:xfrm>
+            <a:off x="6182686" y="2567031"/>
+            <a:ext cx="1392573" cy="998290"/>
+          </a:xfrm>
+          <a:prstGeom prst="bentConnector3">
+            <a:avLst>
+              <a:gd name="adj1" fmla="val 109638"/>
+            </a:avLst>
+          </a:prstGeom>
+          <a:ln>
+            <a:headEnd type="triangle"/>
+            <a:tailEnd type="triangle"/>
+          </a:ln>
+        </p:spPr>
+        <p:style>
+          <a:lnRef idx="1">
+            <a:schemeClr val="accent1"/>
+          </a:lnRef>
+          <a:fillRef idx="0">
+            <a:schemeClr val="accent1"/>
+          </a:fillRef>
+          <a:effectRef idx="0">
+            <a:schemeClr val="accent1"/>
+          </a:effectRef>
+          <a:fontRef idx="minor">
+            <a:schemeClr val="tx1"/>
+          </a:fontRef>
+        </p:style>
+      </p:cxnSp>
+      <p:sp>
+        <p:nvSpPr>
+          <p:cNvPr id="11" name="CaixaDeTexto 10">
+            <a:extLst>
+              <a:ext uri="{FF2B5EF4-FFF2-40B4-BE49-F238E27FC236}">
+                <a16:creationId xmlns:a16="http://schemas.microsoft.com/office/drawing/2014/main" id="{03671832-958C-4CC6-8146-A8B1F71ECC85}"/>
               </a:ext>
             </a:extLst>
           </p:cNvPr>
@@ -4129,8 +4260,8 @@
         </p:nvSpPr>
         <p:spPr>
           <a:xfrm>
-            <a:off x="924886" y="1962916"/>
-            <a:ext cx="6094602" cy="369332"/>
+            <a:off x="7803857" y="2567031"/>
+            <a:ext cx="4388143" cy="984885"/>
           </a:xfrm>
           <a:prstGeom prst="rect">
             <a:avLst/>
@@ -4144,12 +4275,74 @@
           <a:lstStyle/>
           <a:p>
             <a:r>
-              <a:rPr lang="pt-BR" dirty="0">
+              <a:rPr lang="pt-BR" sz="1600" dirty="0"/>
+              <a:t>Código notebook:</a:t>
+            </a:r>
+          </a:p>
+          <a:p>
+            <a:r>
+              <a:rPr lang="pt-BR" sz="1400" dirty="0">
                 <a:hlinkClick r:id="rId2"/>
               </a:rPr>
-              <a:t>https://github.com/filipeaguiarrod/Case-Gol-Linhas-A-reas</a:t>
-            </a:r>
-            <a:endParaRPr lang="pt-BR" dirty="0"/>
+              <a:t>https://github.com/filipeaguiarrod/Case-Gol-Linhas-A-reas/blob/main/Case_02/Dados/Download_Agrupamento%20.ipynb </a:t>
+            </a:r>
+            <a:endParaRPr lang="pt-BR" sz="1400" dirty="0"/>
+          </a:p>
+        </p:txBody>
+      </p:sp>
+      <p:sp>
+        <p:nvSpPr>
+          <p:cNvPr id="15" name="CaixaDeTexto 14">
+            <a:extLst>
+              <a:ext uri="{FF2B5EF4-FFF2-40B4-BE49-F238E27FC236}">
+                <a16:creationId xmlns:a16="http://schemas.microsoft.com/office/drawing/2014/main" id="{89296E05-954B-46EE-A8B3-EDB7EB0F92CF}"/>
+              </a:ext>
+            </a:extLst>
+          </p:cNvPr>
+          <p:cNvSpPr txBox="1"/>
+          <p:nvPr/>
+        </p:nvSpPr>
+        <p:spPr>
+          <a:xfrm>
+            <a:off x="2032233" y="4881265"/>
+            <a:ext cx="6094602" cy="1015663"/>
+          </a:xfrm>
+          <a:prstGeom prst="rect">
+            <a:avLst/>
+          </a:prstGeom>
+          <a:noFill/>
+        </p:spPr>
+        <p:txBody>
+          <a:bodyPr wrap="square">
+            <a:spAutoFit/>
+          </a:bodyPr>
+          <a:lstStyle/>
+          <a:p>
+            <a:r>
+              <a:rPr lang="pt-BR" sz="2000" dirty="0"/>
+              <a:t>Código notebook:</a:t>
+            </a:r>
+          </a:p>
+          <a:p>
+            <a:r>
+              <a:rPr lang="pt-BR" sz="2000" dirty="0">
+                <a:hlinkClick r:id="rId3"/>
+              </a:rPr>
+              <a:t>https://github.com/filipeaguiarrod/</a:t>
+            </a:r>
+            <a:r>
+              <a:rPr lang="pt-BR" sz="1400" dirty="0">
+                <a:hlinkClick r:id="rId3"/>
+              </a:rPr>
+              <a:t>Case-Gol-Linhas-A-reas</a:t>
+            </a:r>
+            <a:r>
+              <a:rPr lang="pt-BR" sz="2000" dirty="0">
+                <a:hlinkClick r:id="rId3"/>
+              </a:rPr>
+              <a:t>/blob/main/Case_02/EDA_02.ipynb</a:t>
+            </a:r>
+            <a:endParaRPr lang="pt-BR" sz="2000" dirty="0"/>
           </a:p>
         </p:txBody>
       </p:sp>
@@ -4204,7 +4397,10 @@
           <a:bodyPr/>
           <a:lstStyle/>
           <a:p>
-            <a:endParaRPr lang="pt-BR"/>
+            <a:r>
+              <a:rPr lang="pt-BR" dirty="0"/>
+              <a:t>Obrigado, espero que gostem ! </a:t>
+            </a:r>
           </a:p>
         </p:txBody>
       </p:sp>
@@ -4229,7 +4425,10 @@
           <a:bodyPr/>
           <a:lstStyle/>
           <a:p>
-            <a:endParaRPr lang="pt-BR"/>
+            <a:r>
+              <a:rPr lang="pt-BR" dirty="0"/>
+              <a:t>Aberto a feedbacks !</a:t>
+            </a:r>
           </a:p>
         </p:txBody>
       </p:sp>
@@ -4281,7 +4480,7 @@
         </p:nvSpPr>
         <p:spPr>
           <a:xfrm>
-            <a:off x="1524000" y="1910928"/>
+            <a:off x="1524000" y="350576"/>
             <a:ext cx="9144000" cy="2387600"/>
           </a:xfrm>
         </p:spPr>
@@ -4310,6 +4509,57 @@
                 </a:schemeClr>
               </a:solidFill>
             </a:endParaRPr>
+          </a:p>
+        </p:txBody>
+      </p:sp>
+      <p:sp>
+        <p:nvSpPr>
+          <p:cNvPr id="4" name="CaixaDeTexto 3">
+            <a:extLst>
+              <a:ext uri="{FF2B5EF4-FFF2-40B4-BE49-F238E27FC236}">
+                <a16:creationId xmlns:a16="http://schemas.microsoft.com/office/drawing/2014/main" id="{86C9FE9C-F06A-4166-ABEB-5B9CF2788CB1}"/>
+              </a:ext>
+            </a:extLst>
+          </p:cNvPr>
+          <p:cNvSpPr txBox="1"/>
+          <p:nvPr/>
+        </p:nvSpPr>
+        <p:spPr>
+          <a:xfrm flipH="1">
+            <a:off x="1130659" y="3948901"/>
+            <a:ext cx="10462925" cy="923330"/>
+          </a:xfrm>
+          <a:prstGeom prst="rect">
+            <a:avLst/>
+          </a:prstGeom>
+          <a:noFill/>
+        </p:spPr>
+        <p:txBody>
+          <a:bodyPr wrap="square" rtlCol="0">
+            <a:spAutoFit/>
+          </a:bodyPr>
+          <a:lstStyle/>
+          <a:p>
+            <a:r>
+              <a:rPr lang="pt-BR" dirty="0"/>
+              <a:t>Todos arquivos do : </a:t>
+            </a:r>
+            <a:r>
+              <a:rPr lang="pt-BR" dirty="0">
+                <a:hlinkClick r:id="rId2"/>
+              </a:rPr>
+              <a:t>https://github.com/filipeaguiarrod/Case-Gol-Linhas-A-reas/tree/main/Case_01</a:t>
+            </a:r>
+            <a:endParaRPr lang="pt-BR" dirty="0"/>
+          </a:p>
+          <a:p>
+            <a:endParaRPr lang="pt-BR" dirty="0"/>
+          </a:p>
+          <a:p>
+            <a:r>
+              <a:rPr lang="pt-BR" dirty="0"/>
+              <a:t>Power Bi e Python</a:t>
+            </a:r>
           </a:p>
         </p:txBody>
       </p:sp>
